--- a/output/images/flujo-experimento.pptx
+++ b/output/images/flujo-experimento.pptx
@@ -6,6 +6,7 @@
   </p:sldMasterIdLst>
   <p:sldIdLst>
     <p:sldId id="256" r:id="rId2"/>
+    <p:sldId id="257" r:id="rId3"/>
   </p:sldIdLst>
   <p:sldSz cx="10799763" cy="5400675"/>
   <p:notesSz cx="6858000" cy="9144000"/>
@@ -125,7 +126,7 @@
 
 <file path=ppt/commentAuthors.xml><?xml version="1.0" encoding="utf-8"?>
 <p:cmAuthorLst xmlns:a="http://schemas.openxmlformats.org/drawingml/2006/main" xmlns:r="http://schemas.openxmlformats.org/officeDocument/2006/relationships" xmlns:p="http://schemas.openxmlformats.org/presentationml/2006/main">
-  <p:cmAuthor id="1" name="Catalina Rufs Orellana" initials="CRO" lastIdx="1" clrIdx="0">
+  <p:cmAuthor id="1" name="Catalina Rufs Orellana" initials="CRO" lastIdx="2" clrIdx="0">
     <p:extLst>
       <p:ext uri="{19B8F6BF-5375-455C-9EA6-DF929625EA0E}">
         <p15:presenceInfo xmlns:p15="http://schemas.microsoft.com/office/powerpoint/2012/main" userId="S::cirufs@uc.cl::7e3f07a9-6607-45ed-af36-a27eea89c62b" providerId="AD"/>
@@ -139,6 +140,20 @@
 <p:cmLst xmlns:a="http://schemas.openxmlformats.org/drawingml/2006/main" xmlns:r="http://schemas.openxmlformats.org/officeDocument/2006/relationships" xmlns:p="http://schemas.openxmlformats.org/presentationml/2006/main">
   <p:cm authorId="1" dt="2020-05-22T17:30:22.028" idx="1">
     <p:pos x="10" y="10"/>
+    <p:text>Nosé si el paso de "manipulation check/all" es necesario de agregar. ¿Qué piensas tú?</p:text>
+    <p:extLst>
+      <p:ext uri="{C676402C-5697-4E1C-873F-D02D1690AC5C}">
+        <p15:threadingInfo xmlns:p15="http://schemas.microsoft.com/office/powerpoint/2012/main" timeZoneBias="240"/>
+      </p:ext>
+    </p:extLst>
+  </p:cm>
+</p:cmLst>
+</file>
+
+<file path=ppt/comments/comment2.xml><?xml version="1.0" encoding="utf-8"?>
+<p:cmLst xmlns:a="http://schemas.openxmlformats.org/drawingml/2006/main" xmlns:r="http://schemas.openxmlformats.org/officeDocument/2006/relationships" xmlns:p="http://schemas.openxmlformats.org/presentationml/2006/main">
+  <p:cm authorId="1" dt="2020-05-22T17:30:22.028" idx="2">
+    <p:pos x="82" y="53"/>
     <p:text>Nosé si el paso de "manipulation check/all" es necesario de agregar. ¿Qué piensas tú?</p:text>
     <p:extLst>
       <p:ext uri="{C676402C-5697-4E1C-873F-D02D1690AC5C}">
@@ -280,7 +295,7 @@
           <a:p>
             <a:fld id="{5CE0F84F-219D-4BF2-9A59-E737708DD563}" type="datetimeFigureOut">
               <a:rPr lang="es-CL" smtClean="0"/>
-              <a:t>16-12-2020</a:t>
+              <a:t>26-01-2022</a:t>
             </a:fld>
             <a:endParaRPr lang="es-CL"/>
           </a:p>
@@ -322,7 +337,7 @@
           <a:p>
             <a:fld id="{04F6E8F6-C8B6-4C78-B5B7-4EF237778219}" type="slidenum">
               <a:rPr lang="es-CL" smtClean="0"/>
-              <a:t>‹Nº›</a:t>
+              <a:t>‹#›</a:t>
             </a:fld>
             <a:endParaRPr lang="es-CL"/>
           </a:p>
@@ -450,7 +465,7 @@
           <a:p>
             <a:fld id="{5CE0F84F-219D-4BF2-9A59-E737708DD563}" type="datetimeFigureOut">
               <a:rPr lang="es-CL" smtClean="0"/>
-              <a:t>16-12-2020</a:t>
+              <a:t>26-01-2022</a:t>
             </a:fld>
             <a:endParaRPr lang="es-CL"/>
           </a:p>
@@ -492,7 +507,7 @@
           <a:p>
             <a:fld id="{04F6E8F6-C8B6-4C78-B5B7-4EF237778219}" type="slidenum">
               <a:rPr lang="es-CL" smtClean="0"/>
-              <a:t>‹Nº›</a:t>
+              <a:t>‹#›</a:t>
             </a:fld>
             <a:endParaRPr lang="es-CL"/>
           </a:p>
@@ -630,7 +645,7 @@
           <a:p>
             <a:fld id="{5CE0F84F-219D-4BF2-9A59-E737708DD563}" type="datetimeFigureOut">
               <a:rPr lang="es-CL" smtClean="0"/>
-              <a:t>16-12-2020</a:t>
+              <a:t>26-01-2022</a:t>
             </a:fld>
             <a:endParaRPr lang="es-CL"/>
           </a:p>
@@ -672,7 +687,7 @@
           <a:p>
             <a:fld id="{04F6E8F6-C8B6-4C78-B5B7-4EF237778219}" type="slidenum">
               <a:rPr lang="es-CL" smtClean="0"/>
-              <a:t>‹Nº›</a:t>
+              <a:t>‹#›</a:t>
             </a:fld>
             <a:endParaRPr lang="es-CL"/>
           </a:p>
@@ -800,7 +815,7 @@
           <a:p>
             <a:fld id="{5CE0F84F-219D-4BF2-9A59-E737708DD563}" type="datetimeFigureOut">
               <a:rPr lang="es-CL" smtClean="0"/>
-              <a:t>16-12-2020</a:t>
+              <a:t>26-01-2022</a:t>
             </a:fld>
             <a:endParaRPr lang="es-CL"/>
           </a:p>
@@ -842,7 +857,7 @@
           <a:p>
             <a:fld id="{04F6E8F6-C8B6-4C78-B5B7-4EF237778219}" type="slidenum">
               <a:rPr lang="es-CL" smtClean="0"/>
-              <a:t>‹Nº›</a:t>
+              <a:t>‹#›</a:t>
             </a:fld>
             <a:endParaRPr lang="es-CL"/>
           </a:p>
@@ -1046,7 +1061,7 @@
           <a:p>
             <a:fld id="{5CE0F84F-219D-4BF2-9A59-E737708DD563}" type="datetimeFigureOut">
               <a:rPr lang="es-CL" smtClean="0"/>
-              <a:t>16-12-2020</a:t>
+              <a:t>26-01-2022</a:t>
             </a:fld>
             <a:endParaRPr lang="es-CL"/>
           </a:p>
@@ -1088,7 +1103,7 @@
           <a:p>
             <a:fld id="{04F6E8F6-C8B6-4C78-B5B7-4EF237778219}" type="slidenum">
               <a:rPr lang="es-CL" smtClean="0"/>
-              <a:t>‹Nº›</a:t>
+              <a:t>‹#›</a:t>
             </a:fld>
             <a:endParaRPr lang="es-CL"/>
           </a:p>
@@ -1278,7 +1293,7 @@
           <a:p>
             <a:fld id="{5CE0F84F-219D-4BF2-9A59-E737708DD563}" type="datetimeFigureOut">
               <a:rPr lang="es-CL" smtClean="0"/>
-              <a:t>16-12-2020</a:t>
+              <a:t>26-01-2022</a:t>
             </a:fld>
             <a:endParaRPr lang="es-CL"/>
           </a:p>
@@ -1320,7 +1335,7 @@
           <a:p>
             <a:fld id="{04F6E8F6-C8B6-4C78-B5B7-4EF237778219}" type="slidenum">
               <a:rPr lang="es-CL" smtClean="0"/>
-              <a:t>‹Nº›</a:t>
+              <a:t>‹#›</a:t>
             </a:fld>
             <a:endParaRPr lang="es-CL"/>
           </a:p>
@@ -1645,7 +1660,7 @@
           <a:p>
             <a:fld id="{5CE0F84F-219D-4BF2-9A59-E737708DD563}" type="datetimeFigureOut">
               <a:rPr lang="es-CL" smtClean="0"/>
-              <a:t>16-12-2020</a:t>
+              <a:t>26-01-2022</a:t>
             </a:fld>
             <a:endParaRPr lang="es-CL"/>
           </a:p>
@@ -1687,7 +1702,7 @@
           <a:p>
             <a:fld id="{04F6E8F6-C8B6-4C78-B5B7-4EF237778219}" type="slidenum">
               <a:rPr lang="es-CL" smtClean="0"/>
-              <a:t>‹Nº›</a:t>
+              <a:t>‹#›</a:t>
             </a:fld>
             <a:endParaRPr lang="es-CL"/>
           </a:p>
@@ -1763,7 +1778,7 @@
           <a:p>
             <a:fld id="{5CE0F84F-219D-4BF2-9A59-E737708DD563}" type="datetimeFigureOut">
               <a:rPr lang="es-CL" smtClean="0"/>
-              <a:t>16-12-2020</a:t>
+              <a:t>26-01-2022</a:t>
             </a:fld>
             <a:endParaRPr lang="es-CL"/>
           </a:p>
@@ -1805,7 +1820,7 @@
           <a:p>
             <a:fld id="{04F6E8F6-C8B6-4C78-B5B7-4EF237778219}" type="slidenum">
               <a:rPr lang="es-CL" smtClean="0"/>
-              <a:t>‹Nº›</a:t>
+              <a:t>‹#›</a:t>
             </a:fld>
             <a:endParaRPr lang="es-CL"/>
           </a:p>
@@ -1858,7 +1873,7 @@
           <a:p>
             <a:fld id="{5CE0F84F-219D-4BF2-9A59-E737708DD563}" type="datetimeFigureOut">
               <a:rPr lang="es-CL" smtClean="0"/>
-              <a:t>16-12-2020</a:t>
+              <a:t>26-01-2022</a:t>
             </a:fld>
             <a:endParaRPr lang="es-CL"/>
           </a:p>
@@ -1900,7 +1915,7 @@
           <a:p>
             <a:fld id="{04F6E8F6-C8B6-4C78-B5B7-4EF237778219}" type="slidenum">
               <a:rPr lang="es-CL" smtClean="0"/>
-              <a:t>‹Nº›</a:t>
+              <a:t>‹#›</a:t>
             </a:fld>
             <a:endParaRPr lang="es-CL"/>
           </a:p>
@@ -2135,7 +2150,7 @@
           <a:p>
             <a:fld id="{5CE0F84F-219D-4BF2-9A59-E737708DD563}" type="datetimeFigureOut">
               <a:rPr lang="es-CL" smtClean="0"/>
-              <a:t>16-12-2020</a:t>
+              <a:t>26-01-2022</a:t>
             </a:fld>
             <a:endParaRPr lang="es-CL"/>
           </a:p>
@@ -2177,7 +2192,7 @@
           <a:p>
             <a:fld id="{04F6E8F6-C8B6-4C78-B5B7-4EF237778219}" type="slidenum">
               <a:rPr lang="es-CL" smtClean="0"/>
-              <a:t>‹Nº›</a:t>
+              <a:t>‹#›</a:t>
             </a:fld>
             <a:endParaRPr lang="es-CL"/>
           </a:p>
@@ -2392,7 +2407,7 @@
           <a:p>
             <a:fld id="{5CE0F84F-219D-4BF2-9A59-E737708DD563}" type="datetimeFigureOut">
               <a:rPr lang="es-CL" smtClean="0"/>
-              <a:t>16-12-2020</a:t>
+              <a:t>26-01-2022</a:t>
             </a:fld>
             <a:endParaRPr lang="es-CL"/>
           </a:p>
@@ -2434,7 +2449,7 @@
           <a:p>
             <a:fld id="{04F6E8F6-C8B6-4C78-B5B7-4EF237778219}" type="slidenum">
               <a:rPr lang="es-CL" smtClean="0"/>
-              <a:t>‹Nº›</a:t>
+              <a:t>‹#›</a:t>
             </a:fld>
             <a:endParaRPr lang="es-CL"/>
           </a:p>
@@ -2605,7 +2620,7 @@
           <a:p>
             <a:fld id="{5CE0F84F-219D-4BF2-9A59-E737708DD563}" type="datetimeFigureOut">
               <a:rPr lang="es-CL" smtClean="0"/>
-              <a:t>16-12-2020</a:t>
+              <a:t>26-01-2022</a:t>
             </a:fld>
             <a:endParaRPr lang="es-CL"/>
           </a:p>
@@ -2683,7 +2698,7 @@
           <a:p>
             <a:fld id="{04F6E8F6-C8B6-4C78-B5B7-4EF237778219}" type="slidenum">
               <a:rPr lang="es-CL" smtClean="0"/>
-              <a:t>‹Nº›</a:t>
+              <a:t>‹#›</a:t>
             </a:fld>
             <a:endParaRPr lang="es-CL"/>
           </a:p>
@@ -4513,6 +4528,1244 @@
 </p:sld>
 </file>
 
+<file path=ppt/slides/slide2.xml><?xml version="1.0" encoding="utf-8"?>
+<p:sld xmlns:a="http://schemas.openxmlformats.org/drawingml/2006/main" xmlns:r="http://schemas.openxmlformats.org/officeDocument/2006/relationships" xmlns:p="http://schemas.openxmlformats.org/presentationml/2006/main">
+  <p:cSld>
+    <p:spTree>
+      <p:nvGrpSpPr>
+        <p:cNvPr id="1" name=""/>
+        <p:cNvGrpSpPr/>
+        <p:nvPr/>
+      </p:nvGrpSpPr>
+      <p:grpSpPr>
+        <a:xfrm>
+          <a:off x="0" y="0"/>
+          <a:ext cx="0" cy="0"/>
+          <a:chOff x="0" y="0"/>
+          <a:chExt cx="0" cy="0"/>
+        </a:xfrm>
+      </p:grpSpPr>
+      <p:sp>
+        <p:nvSpPr>
+          <p:cNvPr id="6" name="CuadroTexto 5">
+            <a:extLst>
+              <a:ext uri="{FF2B5EF4-FFF2-40B4-BE49-F238E27FC236}">
+                <a16:creationId xmlns:a16="http://schemas.microsoft.com/office/drawing/2014/main" id="{270BBE0F-223A-433A-A76D-45AF796B1617}"/>
+              </a:ext>
+            </a:extLst>
+          </p:cNvPr>
+          <p:cNvSpPr txBox="1"/>
+          <p:nvPr/>
+        </p:nvSpPr>
+        <p:spPr>
+          <a:xfrm>
+            <a:off x="1231895" y="1739207"/>
+            <a:ext cx="2116333" cy="557717"/>
+          </a:xfrm>
+          <a:prstGeom prst="rect">
+            <a:avLst/>
+          </a:prstGeom>
+          <a:ln w="19050"/>
+        </p:spPr>
+        <p:style>
+          <a:lnRef idx="2">
+            <a:schemeClr val="dk1"/>
+          </a:lnRef>
+          <a:fillRef idx="1">
+            <a:schemeClr val="lt1"/>
+          </a:fillRef>
+          <a:effectRef idx="0">
+            <a:schemeClr val="dk1"/>
+          </a:effectRef>
+          <a:fontRef idx="minor">
+            <a:schemeClr val="dk1"/>
+          </a:fontRef>
+        </p:style>
+        <p:txBody>
+          <a:bodyPr wrap="square" rtlCol="0">
+            <a:spAutoFit/>
+          </a:bodyPr>
+          <a:lstStyle/>
+          <a:p>
+            <a:pPr algn="ctr"/>
+            <a:r>
+              <a:rPr lang="es-CL" sz="1512" dirty="0">
+                <a:latin typeface="Times New Roman" panose="02020603050405020304" pitchFamily="18" charset="0"/>
+                <a:cs typeface="Times New Roman" panose="02020603050405020304" pitchFamily="18" charset="0"/>
+              </a:rPr>
+              <a:t>Aleatorización</a:t>
+            </a:r>
+            <a:r>
+              <a:rPr lang="en-US" sz="1512" dirty="0">
+                <a:latin typeface="Times New Roman" panose="02020603050405020304" pitchFamily="18" charset="0"/>
+                <a:cs typeface="Times New Roman" panose="02020603050405020304" pitchFamily="18" charset="0"/>
+              </a:rPr>
+              <a:t> </a:t>
+            </a:r>
+          </a:p>
+          <a:p>
+            <a:pPr algn="ctr"/>
+            <a:r>
+              <a:rPr lang="en-US" sz="1512" dirty="0">
+                <a:latin typeface="Times New Roman" panose="02020603050405020304" pitchFamily="18" charset="0"/>
+                <a:cs typeface="Times New Roman" panose="02020603050405020304" pitchFamily="18" charset="0"/>
+              </a:rPr>
+              <a:t>(N= 732)</a:t>
+            </a:r>
+          </a:p>
+        </p:txBody>
+      </p:sp>
+      <p:sp>
+        <p:nvSpPr>
+          <p:cNvPr id="17" name="CuadroTexto 16">
+            <a:extLst>
+              <a:ext uri="{FF2B5EF4-FFF2-40B4-BE49-F238E27FC236}">
+                <a16:creationId xmlns:a16="http://schemas.microsoft.com/office/drawing/2014/main" id="{ABE856D9-CDEE-4A64-8A98-A11FB179421D}"/>
+              </a:ext>
+            </a:extLst>
+          </p:cNvPr>
+          <p:cNvSpPr txBox="1"/>
+          <p:nvPr/>
+        </p:nvSpPr>
+        <p:spPr>
+          <a:xfrm>
+            <a:off x="5768197" y="3105210"/>
+            <a:ext cx="1511667" cy="557717"/>
+          </a:xfrm>
+          <a:prstGeom prst="rect">
+            <a:avLst/>
+          </a:prstGeom>
+          <a:ln w="19050"/>
+        </p:spPr>
+        <p:style>
+          <a:lnRef idx="2">
+            <a:schemeClr val="dk1"/>
+          </a:lnRef>
+          <a:fillRef idx="1">
+            <a:schemeClr val="lt1"/>
+          </a:fillRef>
+          <a:effectRef idx="0">
+            <a:schemeClr val="dk1"/>
+          </a:effectRef>
+          <a:fontRef idx="minor">
+            <a:schemeClr val="dk1"/>
+          </a:fontRef>
+        </p:style>
+        <p:txBody>
+          <a:bodyPr wrap="square" rtlCol="0">
+            <a:spAutoFit/>
+          </a:bodyPr>
+          <a:lstStyle/>
+          <a:p>
+            <a:pPr algn="ctr"/>
+            <a:r>
+              <a:rPr lang="es-CL" sz="1512" dirty="0">
+                <a:latin typeface="Times New Roman" panose="02020603050405020304" pitchFamily="18" charset="0"/>
+                <a:cs typeface="Times New Roman" panose="02020603050405020304" pitchFamily="18" charset="0"/>
+              </a:rPr>
+              <a:t>Condición</a:t>
+            </a:r>
+            <a:r>
+              <a:rPr lang="en-US" sz="1512" dirty="0">
+                <a:latin typeface="Times New Roman" panose="02020603050405020304" pitchFamily="18" charset="0"/>
+                <a:cs typeface="Times New Roman" panose="02020603050405020304" pitchFamily="18" charset="0"/>
+              </a:rPr>
+              <a:t> A </a:t>
+            </a:r>
+          </a:p>
+          <a:p>
+            <a:pPr algn="ctr"/>
+            <a:r>
+              <a:rPr lang="en-US" sz="1512" dirty="0">
+                <a:latin typeface="Times New Roman" panose="02020603050405020304" pitchFamily="18" charset="0"/>
+                <a:cs typeface="Times New Roman" panose="02020603050405020304" pitchFamily="18" charset="0"/>
+              </a:rPr>
+              <a:t>(N= 254)</a:t>
+            </a:r>
+          </a:p>
+        </p:txBody>
+      </p:sp>
+      <p:sp>
+        <p:nvSpPr>
+          <p:cNvPr id="18" name="CuadroTexto 17">
+            <a:extLst>
+              <a:ext uri="{FF2B5EF4-FFF2-40B4-BE49-F238E27FC236}">
+                <a16:creationId xmlns:a16="http://schemas.microsoft.com/office/drawing/2014/main" id="{42389D5F-A6B5-48D3-9947-281A1A3209D4}"/>
+              </a:ext>
+            </a:extLst>
+          </p:cNvPr>
+          <p:cNvSpPr txBox="1"/>
+          <p:nvPr/>
+        </p:nvSpPr>
+        <p:spPr>
+          <a:xfrm>
+            <a:off x="5768198" y="2268635"/>
+            <a:ext cx="1511667" cy="557717"/>
+          </a:xfrm>
+          <a:prstGeom prst="rect">
+            <a:avLst/>
+          </a:prstGeom>
+          <a:ln w="19050"/>
+        </p:spPr>
+        <p:style>
+          <a:lnRef idx="2">
+            <a:schemeClr val="dk1"/>
+          </a:lnRef>
+          <a:fillRef idx="1">
+            <a:schemeClr val="lt1"/>
+          </a:fillRef>
+          <a:effectRef idx="0">
+            <a:schemeClr val="dk1"/>
+          </a:effectRef>
+          <a:fontRef idx="minor">
+            <a:schemeClr val="dk1"/>
+          </a:fontRef>
+        </p:style>
+        <p:txBody>
+          <a:bodyPr wrap="square" rtlCol="0">
+            <a:spAutoFit/>
+          </a:bodyPr>
+          <a:lstStyle/>
+          <a:p>
+            <a:pPr algn="ctr"/>
+            <a:r>
+              <a:rPr lang="es-CL" sz="1512" dirty="0">
+                <a:latin typeface="Times New Roman" panose="02020603050405020304" pitchFamily="18" charset="0"/>
+                <a:cs typeface="Times New Roman" panose="02020603050405020304" pitchFamily="18" charset="0"/>
+              </a:rPr>
+              <a:t>Condición</a:t>
+            </a:r>
+            <a:r>
+              <a:rPr lang="en-US" sz="1512" dirty="0">
+                <a:latin typeface="Times New Roman" panose="02020603050405020304" pitchFamily="18" charset="0"/>
+                <a:cs typeface="Times New Roman" panose="02020603050405020304" pitchFamily="18" charset="0"/>
+              </a:rPr>
+              <a:t> B </a:t>
+            </a:r>
+          </a:p>
+          <a:p>
+            <a:pPr algn="ctr"/>
+            <a:r>
+              <a:rPr lang="en-US" sz="1512" dirty="0">
+                <a:latin typeface="Times New Roman" panose="02020603050405020304" pitchFamily="18" charset="0"/>
+                <a:cs typeface="Times New Roman" panose="02020603050405020304" pitchFamily="18" charset="0"/>
+              </a:rPr>
+              <a:t>(N= 148)</a:t>
+            </a:r>
+          </a:p>
+        </p:txBody>
+      </p:sp>
+      <p:sp>
+        <p:nvSpPr>
+          <p:cNvPr id="19" name="CuadroTexto 18">
+            <a:extLst>
+              <a:ext uri="{FF2B5EF4-FFF2-40B4-BE49-F238E27FC236}">
+                <a16:creationId xmlns:a16="http://schemas.microsoft.com/office/drawing/2014/main" id="{25617A75-0B59-4B8A-8527-AE25244900F1}"/>
+              </a:ext>
+            </a:extLst>
+          </p:cNvPr>
+          <p:cNvSpPr txBox="1"/>
+          <p:nvPr/>
+        </p:nvSpPr>
+        <p:spPr>
+          <a:xfrm>
+            <a:off x="5785623" y="1395468"/>
+            <a:ext cx="1511667" cy="557717"/>
+          </a:xfrm>
+          <a:prstGeom prst="rect">
+            <a:avLst/>
+          </a:prstGeom>
+          <a:ln w="19050"/>
+        </p:spPr>
+        <p:style>
+          <a:lnRef idx="2">
+            <a:schemeClr val="dk1"/>
+          </a:lnRef>
+          <a:fillRef idx="1">
+            <a:schemeClr val="lt1"/>
+          </a:fillRef>
+          <a:effectRef idx="0">
+            <a:schemeClr val="dk1"/>
+          </a:effectRef>
+          <a:fontRef idx="minor">
+            <a:schemeClr val="dk1"/>
+          </a:fontRef>
+        </p:style>
+        <p:txBody>
+          <a:bodyPr wrap="square" rtlCol="0">
+            <a:spAutoFit/>
+          </a:bodyPr>
+          <a:lstStyle/>
+          <a:p>
+            <a:pPr algn="ctr"/>
+            <a:r>
+              <a:rPr lang="es-CL" sz="1512" dirty="0">
+                <a:latin typeface="Times New Roman" panose="02020603050405020304" pitchFamily="18" charset="0"/>
+                <a:cs typeface="Times New Roman" panose="02020603050405020304" pitchFamily="18" charset="0"/>
+              </a:rPr>
+              <a:t>Condición</a:t>
+            </a:r>
+            <a:r>
+              <a:rPr lang="en-US" sz="1512" dirty="0">
+                <a:latin typeface="Times New Roman" panose="02020603050405020304" pitchFamily="18" charset="0"/>
+                <a:cs typeface="Times New Roman" panose="02020603050405020304" pitchFamily="18" charset="0"/>
+              </a:rPr>
+              <a:t> C </a:t>
+            </a:r>
+          </a:p>
+          <a:p>
+            <a:pPr algn="ctr"/>
+            <a:r>
+              <a:rPr lang="en-US" sz="1512" dirty="0">
+                <a:latin typeface="Times New Roman" panose="02020603050405020304" pitchFamily="18" charset="0"/>
+                <a:cs typeface="Times New Roman" panose="02020603050405020304" pitchFamily="18" charset="0"/>
+              </a:rPr>
+              <a:t>(N= 104)</a:t>
+            </a:r>
+          </a:p>
+        </p:txBody>
+      </p:sp>
+      <p:cxnSp>
+        <p:nvCxnSpPr>
+          <p:cNvPr id="29" name="Conector recto de flecha 28">
+            <a:extLst>
+              <a:ext uri="{FF2B5EF4-FFF2-40B4-BE49-F238E27FC236}">
+                <a16:creationId xmlns:a16="http://schemas.microsoft.com/office/drawing/2014/main" id="{70EF2FEC-35B1-4959-91E5-4340EC63510E}"/>
+              </a:ext>
+            </a:extLst>
+          </p:cNvPr>
+          <p:cNvCxnSpPr>
+            <a:cxnSpLocks/>
+            <a:stCxn id="6" idx="3"/>
+            <a:endCxn id="18" idx="1"/>
+          </p:cNvCxnSpPr>
+          <p:nvPr/>
+        </p:nvCxnSpPr>
+        <p:spPr>
+          <a:xfrm>
+            <a:off x="3348228" y="2018066"/>
+            <a:ext cx="2419970" cy="529428"/>
+          </a:xfrm>
+          <a:prstGeom prst="straightConnector1">
+            <a:avLst/>
+          </a:prstGeom>
+          <a:ln>
+            <a:tailEnd type="triangle"/>
+          </a:ln>
+        </p:spPr>
+        <p:style>
+          <a:lnRef idx="3">
+            <a:schemeClr val="dk1"/>
+          </a:lnRef>
+          <a:fillRef idx="0">
+            <a:schemeClr val="dk1"/>
+          </a:fillRef>
+          <a:effectRef idx="2">
+            <a:schemeClr val="dk1"/>
+          </a:effectRef>
+          <a:fontRef idx="minor">
+            <a:schemeClr val="tx1"/>
+          </a:fontRef>
+        </p:style>
+      </p:cxnSp>
+      <p:cxnSp>
+        <p:nvCxnSpPr>
+          <p:cNvPr id="31" name="Conector recto de flecha 30">
+            <a:extLst>
+              <a:ext uri="{FF2B5EF4-FFF2-40B4-BE49-F238E27FC236}">
+                <a16:creationId xmlns:a16="http://schemas.microsoft.com/office/drawing/2014/main" id="{E0336367-2F8D-4083-AF07-81D9941BEF04}"/>
+              </a:ext>
+            </a:extLst>
+          </p:cNvPr>
+          <p:cNvCxnSpPr>
+            <a:cxnSpLocks/>
+            <a:stCxn id="6" idx="3"/>
+            <a:endCxn id="19" idx="1"/>
+          </p:cNvCxnSpPr>
+          <p:nvPr/>
+        </p:nvCxnSpPr>
+        <p:spPr>
+          <a:xfrm flipV="1">
+            <a:off x="3348228" y="1674327"/>
+            <a:ext cx="2437395" cy="343739"/>
+          </a:xfrm>
+          <a:prstGeom prst="straightConnector1">
+            <a:avLst/>
+          </a:prstGeom>
+          <a:ln>
+            <a:tailEnd type="triangle"/>
+          </a:ln>
+        </p:spPr>
+        <p:style>
+          <a:lnRef idx="3">
+            <a:schemeClr val="dk1"/>
+          </a:lnRef>
+          <a:fillRef idx="0">
+            <a:schemeClr val="dk1"/>
+          </a:fillRef>
+          <a:effectRef idx="2">
+            <a:schemeClr val="dk1"/>
+          </a:effectRef>
+          <a:fontRef idx="minor">
+            <a:schemeClr val="tx1"/>
+          </a:fontRef>
+        </p:style>
+      </p:cxnSp>
+      <p:cxnSp>
+        <p:nvCxnSpPr>
+          <p:cNvPr id="33" name="Conector recto de flecha 32">
+            <a:extLst>
+              <a:ext uri="{FF2B5EF4-FFF2-40B4-BE49-F238E27FC236}">
+                <a16:creationId xmlns:a16="http://schemas.microsoft.com/office/drawing/2014/main" id="{FA3C234D-145C-467C-BBF8-972DEBB2322A}"/>
+              </a:ext>
+            </a:extLst>
+          </p:cNvPr>
+          <p:cNvCxnSpPr>
+            <a:cxnSpLocks/>
+            <a:stCxn id="6" idx="3"/>
+            <a:endCxn id="17" idx="1"/>
+          </p:cNvCxnSpPr>
+          <p:nvPr/>
+        </p:nvCxnSpPr>
+        <p:spPr>
+          <a:xfrm>
+            <a:off x="3348228" y="2018066"/>
+            <a:ext cx="2419969" cy="1366003"/>
+          </a:xfrm>
+          <a:prstGeom prst="straightConnector1">
+            <a:avLst/>
+          </a:prstGeom>
+          <a:ln>
+            <a:tailEnd type="triangle"/>
+          </a:ln>
+        </p:spPr>
+        <p:style>
+          <a:lnRef idx="3">
+            <a:schemeClr val="dk1"/>
+          </a:lnRef>
+          <a:fillRef idx="0">
+            <a:schemeClr val="dk1"/>
+          </a:fillRef>
+          <a:effectRef idx="2">
+            <a:schemeClr val="dk1"/>
+          </a:effectRef>
+          <a:fontRef idx="minor">
+            <a:schemeClr val="tx1"/>
+          </a:fontRef>
+        </p:style>
+      </p:cxnSp>
+      <p:cxnSp>
+        <p:nvCxnSpPr>
+          <p:cNvPr id="66" name="Conector recto de flecha 65">
+            <a:extLst>
+              <a:ext uri="{FF2B5EF4-FFF2-40B4-BE49-F238E27FC236}">
+                <a16:creationId xmlns:a16="http://schemas.microsoft.com/office/drawing/2014/main" id="{69A87A2F-A6C0-4CAE-98E2-A4ED275BA5F3}"/>
+              </a:ext>
+            </a:extLst>
+          </p:cNvPr>
+          <p:cNvCxnSpPr>
+            <a:cxnSpLocks/>
+            <a:stCxn id="19" idx="3"/>
+            <a:endCxn id="100" idx="1"/>
+          </p:cNvCxnSpPr>
+          <p:nvPr/>
+        </p:nvCxnSpPr>
+        <p:spPr>
+          <a:xfrm>
+            <a:off x="7297290" y="1674327"/>
+            <a:ext cx="1765450" cy="8858"/>
+          </a:xfrm>
+          <a:prstGeom prst="straightConnector1">
+            <a:avLst/>
+          </a:prstGeom>
+          <a:ln>
+            <a:tailEnd type="triangle"/>
+          </a:ln>
+        </p:spPr>
+        <p:style>
+          <a:lnRef idx="3">
+            <a:schemeClr val="dk1"/>
+          </a:lnRef>
+          <a:fillRef idx="0">
+            <a:schemeClr val="dk1"/>
+          </a:fillRef>
+          <a:effectRef idx="2">
+            <a:schemeClr val="dk1"/>
+          </a:effectRef>
+          <a:fontRef idx="minor">
+            <a:schemeClr val="tx1"/>
+          </a:fontRef>
+        </p:style>
+      </p:cxnSp>
+      <p:cxnSp>
+        <p:nvCxnSpPr>
+          <p:cNvPr id="70" name="Conector recto de flecha 69">
+            <a:extLst>
+              <a:ext uri="{FF2B5EF4-FFF2-40B4-BE49-F238E27FC236}">
+                <a16:creationId xmlns:a16="http://schemas.microsoft.com/office/drawing/2014/main" id="{49EB3058-58D7-4E2B-B30F-01597F343C72}"/>
+              </a:ext>
+            </a:extLst>
+          </p:cNvPr>
+          <p:cNvCxnSpPr>
+            <a:cxnSpLocks/>
+            <a:stCxn id="18" idx="3"/>
+            <a:endCxn id="99" idx="1"/>
+          </p:cNvCxnSpPr>
+          <p:nvPr/>
+        </p:nvCxnSpPr>
+        <p:spPr>
+          <a:xfrm>
+            <a:off x="7279865" y="2547494"/>
+            <a:ext cx="1782873" cy="8859"/>
+          </a:xfrm>
+          <a:prstGeom prst="straightConnector1">
+            <a:avLst/>
+          </a:prstGeom>
+          <a:ln>
+            <a:tailEnd type="triangle"/>
+          </a:ln>
+        </p:spPr>
+        <p:style>
+          <a:lnRef idx="3">
+            <a:schemeClr val="dk1"/>
+          </a:lnRef>
+          <a:fillRef idx="0">
+            <a:schemeClr val="dk1"/>
+          </a:fillRef>
+          <a:effectRef idx="2">
+            <a:schemeClr val="dk1"/>
+          </a:effectRef>
+          <a:fontRef idx="minor">
+            <a:schemeClr val="tx1"/>
+          </a:fontRef>
+        </p:style>
+      </p:cxnSp>
+      <p:cxnSp>
+        <p:nvCxnSpPr>
+          <p:cNvPr id="74" name="Conector recto de flecha 73">
+            <a:extLst>
+              <a:ext uri="{FF2B5EF4-FFF2-40B4-BE49-F238E27FC236}">
+                <a16:creationId xmlns:a16="http://schemas.microsoft.com/office/drawing/2014/main" id="{C013520B-F3CF-4E6D-8B76-F83615B93D57}"/>
+              </a:ext>
+            </a:extLst>
+          </p:cNvPr>
+          <p:cNvCxnSpPr>
+            <a:cxnSpLocks/>
+            <a:stCxn id="17" idx="3"/>
+            <a:endCxn id="98" idx="1"/>
+          </p:cNvCxnSpPr>
+          <p:nvPr/>
+        </p:nvCxnSpPr>
+        <p:spPr>
+          <a:xfrm>
+            <a:off x="7279864" y="3384069"/>
+            <a:ext cx="1782875" cy="0"/>
+          </a:xfrm>
+          <a:prstGeom prst="straightConnector1">
+            <a:avLst/>
+          </a:prstGeom>
+          <a:ln>
+            <a:tailEnd type="triangle"/>
+          </a:ln>
+        </p:spPr>
+        <p:style>
+          <a:lnRef idx="3">
+            <a:schemeClr val="dk1"/>
+          </a:lnRef>
+          <a:fillRef idx="0">
+            <a:schemeClr val="dk1"/>
+          </a:fillRef>
+          <a:effectRef idx="2">
+            <a:schemeClr val="dk1"/>
+          </a:effectRef>
+          <a:fontRef idx="minor">
+            <a:schemeClr val="tx1"/>
+          </a:fontRef>
+        </p:style>
+      </p:cxnSp>
+      <p:sp>
+        <p:nvSpPr>
+          <p:cNvPr id="98" name="CuadroTexto 97">
+            <a:extLst>
+              <a:ext uri="{FF2B5EF4-FFF2-40B4-BE49-F238E27FC236}">
+                <a16:creationId xmlns:a16="http://schemas.microsoft.com/office/drawing/2014/main" id="{5A623BE0-0446-47CA-BE44-017E90CB52D2}"/>
+              </a:ext>
+            </a:extLst>
+          </p:cNvPr>
+          <p:cNvSpPr txBox="1"/>
+          <p:nvPr/>
+        </p:nvSpPr>
+        <p:spPr>
+          <a:xfrm>
+            <a:off x="9062739" y="3114069"/>
+            <a:ext cx="1511667" cy="540000"/>
+          </a:xfrm>
+          <a:prstGeom prst="rect">
+            <a:avLst/>
+          </a:prstGeom>
+          <a:ln w="19050"/>
+        </p:spPr>
+        <p:style>
+          <a:lnRef idx="2">
+            <a:schemeClr val="dk1"/>
+          </a:lnRef>
+          <a:fillRef idx="1">
+            <a:schemeClr val="lt1"/>
+          </a:fillRef>
+          <a:effectRef idx="0">
+            <a:schemeClr val="dk1"/>
+          </a:effectRef>
+          <a:fontRef idx="minor">
+            <a:schemeClr val="dk1"/>
+          </a:fontRef>
+        </p:style>
+        <p:txBody>
+          <a:bodyPr wrap="square" rtlCol="0" anchor="ctr">
+            <a:spAutoFit/>
+          </a:bodyPr>
+          <a:lstStyle/>
+          <a:p>
+            <a:pPr algn="ctr"/>
+            <a:r>
+              <a:rPr lang="en-US" sz="1512" dirty="0">
+                <a:latin typeface="Times New Roman" panose="02020603050405020304" pitchFamily="18" charset="0"/>
+                <a:cs typeface="Times New Roman" panose="02020603050405020304" pitchFamily="18" charset="0"/>
+              </a:rPr>
+              <a:t>N= 214</a:t>
+            </a:r>
+          </a:p>
+        </p:txBody>
+      </p:sp>
+      <p:sp>
+        <p:nvSpPr>
+          <p:cNvPr id="99" name="CuadroTexto 98">
+            <a:extLst>
+              <a:ext uri="{FF2B5EF4-FFF2-40B4-BE49-F238E27FC236}">
+                <a16:creationId xmlns:a16="http://schemas.microsoft.com/office/drawing/2014/main" id="{28253E3A-02B1-4B7A-A89F-B1DAFE8A9BBE}"/>
+              </a:ext>
+            </a:extLst>
+          </p:cNvPr>
+          <p:cNvSpPr txBox="1"/>
+          <p:nvPr/>
+        </p:nvSpPr>
+        <p:spPr>
+          <a:xfrm>
+            <a:off x="9062738" y="2286353"/>
+            <a:ext cx="1511667" cy="540000"/>
+          </a:xfrm>
+          <a:prstGeom prst="rect">
+            <a:avLst/>
+          </a:prstGeom>
+          <a:ln w="19050"/>
+        </p:spPr>
+        <p:style>
+          <a:lnRef idx="2">
+            <a:schemeClr val="dk1"/>
+          </a:lnRef>
+          <a:fillRef idx="1">
+            <a:schemeClr val="lt1"/>
+          </a:fillRef>
+          <a:effectRef idx="0">
+            <a:schemeClr val="dk1"/>
+          </a:effectRef>
+          <a:fontRef idx="minor">
+            <a:schemeClr val="dk1"/>
+          </a:fontRef>
+        </p:style>
+        <p:txBody>
+          <a:bodyPr wrap="square" rtlCol="0" anchor="ctr">
+            <a:spAutoFit/>
+          </a:bodyPr>
+          <a:lstStyle/>
+          <a:p>
+            <a:pPr algn="ctr"/>
+            <a:r>
+              <a:rPr lang="en-US" sz="1512" dirty="0">
+                <a:latin typeface="Times New Roman" panose="02020603050405020304" pitchFamily="18" charset="0"/>
+                <a:cs typeface="Times New Roman" panose="02020603050405020304" pitchFamily="18" charset="0"/>
+              </a:rPr>
+              <a:t>N= 104</a:t>
+            </a:r>
+          </a:p>
+        </p:txBody>
+      </p:sp>
+      <p:sp>
+        <p:nvSpPr>
+          <p:cNvPr id="100" name="CuadroTexto 99">
+            <a:extLst>
+              <a:ext uri="{FF2B5EF4-FFF2-40B4-BE49-F238E27FC236}">
+                <a16:creationId xmlns:a16="http://schemas.microsoft.com/office/drawing/2014/main" id="{A448DAF3-328E-4E1C-815E-18B71F507A20}"/>
+              </a:ext>
+            </a:extLst>
+          </p:cNvPr>
+          <p:cNvSpPr txBox="1"/>
+          <p:nvPr/>
+        </p:nvSpPr>
+        <p:spPr>
+          <a:xfrm>
+            <a:off x="9062740" y="1413185"/>
+            <a:ext cx="1511667" cy="540000"/>
+          </a:xfrm>
+          <a:prstGeom prst="rect">
+            <a:avLst/>
+          </a:prstGeom>
+          <a:ln w="19050"/>
+        </p:spPr>
+        <p:style>
+          <a:lnRef idx="2">
+            <a:schemeClr val="dk1"/>
+          </a:lnRef>
+          <a:fillRef idx="1">
+            <a:schemeClr val="lt1"/>
+          </a:fillRef>
+          <a:effectRef idx="0">
+            <a:schemeClr val="dk1"/>
+          </a:effectRef>
+          <a:fontRef idx="minor">
+            <a:schemeClr val="dk1"/>
+          </a:fontRef>
+        </p:style>
+        <p:txBody>
+          <a:bodyPr wrap="square" rtlCol="0" anchor="ctr">
+            <a:spAutoFit/>
+          </a:bodyPr>
+          <a:lstStyle/>
+          <a:p>
+            <a:pPr algn="ctr"/>
+            <a:r>
+              <a:rPr lang="en-US" sz="1512" dirty="0">
+                <a:latin typeface="Times New Roman" panose="02020603050405020304" pitchFamily="18" charset="0"/>
+                <a:cs typeface="Times New Roman" panose="02020603050405020304" pitchFamily="18" charset="0"/>
+              </a:rPr>
+              <a:t>N= 89</a:t>
+            </a:r>
+          </a:p>
+        </p:txBody>
+      </p:sp>
+      <p:cxnSp>
+        <p:nvCxnSpPr>
+          <p:cNvPr id="37" name="Conector recto de flecha 36">
+            <a:extLst>
+              <a:ext uri="{FF2B5EF4-FFF2-40B4-BE49-F238E27FC236}">
+                <a16:creationId xmlns:a16="http://schemas.microsoft.com/office/drawing/2014/main" id="{4B96A8EA-D09E-9445-8DF7-089CD68CF24F}"/>
+              </a:ext>
+            </a:extLst>
+          </p:cNvPr>
+          <p:cNvCxnSpPr>
+            <a:cxnSpLocks/>
+            <a:stCxn id="6" idx="3"/>
+            <a:endCxn id="39" idx="1"/>
+          </p:cNvCxnSpPr>
+          <p:nvPr/>
+        </p:nvCxnSpPr>
+        <p:spPr>
+          <a:xfrm flipV="1">
+            <a:off x="3348228" y="689463"/>
+            <a:ext cx="2437394" cy="1328603"/>
+          </a:xfrm>
+          <a:prstGeom prst="straightConnector1">
+            <a:avLst/>
+          </a:prstGeom>
+          <a:ln>
+            <a:tailEnd type="triangle"/>
+          </a:ln>
+        </p:spPr>
+        <p:style>
+          <a:lnRef idx="3">
+            <a:schemeClr val="dk1"/>
+          </a:lnRef>
+          <a:fillRef idx="0">
+            <a:schemeClr val="dk1"/>
+          </a:fillRef>
+          <a:effectRef idx="2">
+            <a:schemeClr val="dk1"/>
+          </a:effectRef>
+          <a:fontRef idx="minor">
+            <a:schemeClr val="tx1"/>
+          </a:fontRef>
+        </p:style>
+      </p:cxnSp>
+      <p:sp>
+        <p:nvSpPr>
+          <p:cNvPr id="39" name="CuadroTexto 38">
+            <a:extLst>
+              <a:ext uri="{FF2B5EF4-FFF2-40B4-BE49-F238E27FC236}">
+                <a16:creationId xmlns:a16="http://schemas.microsoft.com/office/drawing/2014/main" id="{77E26935-9A70-7241-ACB1-3BF80F5E52A8}"/>
+              </a:ext>
+            </a:extLst>
+          </p:cNvPr>
+          <p:cNvSpPr txBox="1"/>
+          <p:nvPr/>
+        </p:nvSpPr>
+        <p:spPr>
+          <a:xfrm>
+            <a:off x="5785622" y="419463"/>
+            <a:ext cx="1511667" cy="540000"/>
+          </a:xfrm>
+          <a:prstGeom prst="rect">
+            <a:avLst/>
+          </a:prstGeom>
+          <a:ln w="19050"/>
+        </p:spPr>
+        <p:style>
+          <a:lnRef idx="2">
+            <a:schemeClr val="dk1"/>
+          </a:lnRef>
+          <a:fillRef idx="1">
+            <a:schemeClr val="lt1"/>
+          </a:fillRef>
+          <a:effectRef idx="0">
+            <a:schemeClr val="dk1"/>
+          </a:effectRef>
+          <a:fontRef idx="minor">
+            <a:schemeClr val="dk1"/>
+          </a:fontRef>
+        </p:style>
+        <p:txBody>
+          <a:bodyPr wrap="square" rtlCol="0">
+            <a:spAutoFit/>
+          </a:bodyPr>
+          <a:lstStyle/>
+          <a:p>
+            <a:pPr algn="ctr"/>
+            <a:r>
+              <a:rPr lang="en-US" sz="1512" dirty="0">
+                <a:latin typeface="Times New Roman" panose="02020603050405020304" pitchFamily="18" charset="0"/>
+                <a:cs typeface="Times New Roman" panose="02020603050405020304" pitchFamily="18" charset="0"/>
+              </a:rPr>
+              <a:t>Grupo control </a:t>
+            </a:r>
+          </a:p>
+          <a:p>
+            <a:pPr algn="ctr"/>
+            <a:r>
+              <a:rPr lang="en-US" sz="1512" dirty="0">
+                <a:latin typeface="Times New Roman" panose="02020603050405020304" pitchFamily="18" charset="0"/>
+                <a:cs typeface="Times New Roman" panose="02020603050405020304" pitchFamily="18" charset="0"/>
+              </a:rPr>
+              <a:t>(N= 226)</a:t>
+            </a:r>
+          </a:p>
+        </p:txBody>
+      </p:sp>
+      <p:cxnSp>
+        <p:nvCxnSpPr>
+          <p:cNvPr id="42" name="Conector recto de flecha 41">
+            <a:extLst>
+              <a:ext uri="{FF2B5EF4-FFF2-40B4-BE49-F238E27FC236}">
+                <a16:creationId xmlns:a16="http://schemas.microsoft.com/office/drawing/2014/main" id="{67613DF5-748A-7346-B658-E936CF75BB0A}"/>
+              </a:ext>
+            </a:extLst>
+          </p:cNvPr>
+          <p:cNvCxnSpPr>
+            <a:cxnSpLocks/>
+            <a:stCxn id="39" idx="3"/>
+            <a:endCxn id="44" idx="1"/>
+          </p:cNvCxnSpPr>
+          <p:nvPr/>
+        </p:nvCxnSpPr>
+        <p:spPr>
+          <a:xfrm>
+            <a:off x="7297289" y="689463"/>
+            <a:ext cx="1765448" cy="2254"/>
+          </a:xfrm>
+          <a:prstGeom prst="straightConnector1">
+            <a:avLst/>
+          </a:prstGeom>
+          <a:ln>
+            <a:tailEnd type="triangle"/>
+          </a:ln>
+        </p:spPr>
+        <p:style>
+          <a:lnRef idx="3">
+            <a:schemeClr val="dk1"/>
+          </a:lnRef>
+          <a:fillRef idx="0">
+            <a:schemeClr val="dk1"/>
+          </a:fillRef>
+          <a:effectRef idx="2">
+            <a:schemeClr val="dk1"/>
+          </a:effectRef>
+          <a:fontRef idx="minor">
+            <a:schemeClr val="tx1"/>
+          </a:fontRef>
+        </p:style>
+      </p:cxnSp>
+      <p:sp>
+        <p:nvSpPr>
+          <p:cNvPr id="44" name="CuadroTexto 43">
+            <a:extLst>
+              <a:ext uri="{FF2B5EF4-FFF2-40B4-BE49-F238E27FC236}">
+                <a16:creationId xmlns:a16="http://schemas.microsoft.com/office/drawing/2014/main" id="{2981C92E-ED18-2946-97B4-F1928254496F}"/>
+              </a:ext>
+            </a:extLst>
+          </p:cNvPr>
+          <p:cNvSpPr txBox="1"/>
+          <p:nvPr/>
+        </p:nvSpPr>
+        <p:spPr>
+          <a:xfrm>
+            <a:off x="9062737" y="421717"/>
+            <a:ext cx="1511667" cy="540000"/>
+          </a:xfrm>
+          <a:prstGeom prst="rect">
+            <a:avLst/>
+          </a:prstGeom>
+          <a:ln w="19050"/>
+        </p:spPr>
+        <p:style>
+          <a:lnRef idx="2">
+            <a:schemeClr val="dk1"/>
+          </a:lnRef>
+          <a:fillRef idx="1">
+            <a:schemeClr val="lt1"/>
+          </a:fillRef>
+          <a:effectRef idx="0">
+            <a:schemeClr val="dk1"/>
+          </a:effectRef>
+          <a:fontRef idx="minor">
+            <a:schemeClr val="dk1"/>
+          </a:fontRef>
+        </p:style>
+        <p:txBody>
+          <a:bodyPr wrap="square" rtlCol="0" anchor="ctr">
+            <a:spAutoFit/>
+          </a:bodyPr>
+          <a:lstStyle/>
+          <a:p>
+            <a:pPr algn="ctr"/>
+            <a:r>
+              <a:rPr lang="en-US" sz="1512" dirty="0">
+                <a:latin typeface="Times New Roman" panose="02020603050405020304" pitchFamily="18" charset="0"/>
+                <a:cs typeface="Times New Roman" panose="02020603050405020304" pitchFamily="18" charset="0"/>
+              </a:rPr>
+              <a:t>N= 182</a:t>
+            </a:r>
+          </a:p>
+        </p:txBody>
+      </p:sp>
+      <p:sp>
+        <p:nvSpPr>
+          <p:cNvPr id="131" name="CuadroTexto 130">
+            <a:extLst>
+              <a:ext uri="{FF2B5EF4-FFF2-40B4-BE49-F238E27FC236}">
+                <a16:creationId xmlns:a16="http://schemas.microsoft.com/office/drawing/2014/main" id="{14EBBA5E-AC82-4E12-AE0E-747967CEA864}"/>
+              </a:ext>
+            </a:extLst>
+          </p:cNvPr>
+          <p:cNvSpPr txBox="1"/>
+          <p:nvPr/>
+        </p:nvSpPr>
+        <p:spPr>
+          <a:xfrm>
+            <a:off x="4354430" y="4579133"/>
+            <a:ext cx="2855489" cy="661207"/>
+          </a:xfrm>
+          <a:prstGeom prst="rect">
+            <a:avLst/>
+          </a:prstGeom>
+          <a:ln w="19050"/>
+        </p:spPr>
+        <p:style>
+          <a:lnRef idx="2">
+            <a:schemeClr val="dk1"/>
+          </a:lnRef>
+          <a:fillRef idx="1">
+            <a:schemeClr val="lt1"/>
+          </a:fillRef>
+          <a:effectRef idx="0">
+            <a:schemeClr val="dk1"/>
+          </a:effectRef>
+          <a:fontRef idx="minor">
+            <a:schemeClr val="dk1"/>
+          </a:fontRef>
+        </p:style>
+        <p:txBody>
+          <a:bodyPr wrap="square" rtlCol="0">
+            <a:spAutoFit/>
+          </a:bodyPr>
+          <a:lstStyle/>
+          <a:p>
+            <a:r>
+              <a:rPr lang="en-US" sz="924" dirty="0">
+                <a:latin typeface="Times New Roman" panose="02020603050405020304" pitchFamily="18" charset="0"/>
+                <a:cs typeface="Times New Roman" panose="02020603050405020304" pitchFamily="18" charset="0"/>
+              </a:rPr>
+              <a:t>Sal. </a:t>
+            </a:r>
+            <a:r>
+              <a:rPr lang="en-US" sz="924" dirty="0" err="1">
+                <a:latin typeface="Times New Roman" panose="02020603050405020304" pitchFamily="18" charset="0"/>
+                <a:cs typeface="Times New Roman" panose="02020603050405020304" pitchFamily="18" charset="0"/>
+              </a:rPr>
+              <a:t>percibido</a:t>
+            </a:r>
+            <a:r>
+              <a:rPr lang="en-US" sz="924" dirty="0">
+                <a:latin typeface="Times New Roman" panose="02020603050405020304" pitchFamily="18" charset="0"/>
+                <a:cs typeface="Times New Roman" panose="02020603050405020304" pitchFamily="18" charset="0"/>
+              </a:rPr>
+              <a:t> </a:t>
+            </a:r>
+            <a:r>
+              <a:rPr lang="en-US" sz="924" dirty="0" err="1">
+                <a:latin typeface="Times New Roman" panose="02020603050405020304" pitchFamily="18" charset="0"/>
+                <a:cs typeface="Times New Roman" panose="02020603050405020304" pitchFamily="18" charset="0"/>
+              </a:rPr>
+              <a:t>gerente</a:t>
+            </a:r>
+            <a:r>
+              <a:rPr lang="en-US" sz="924" dirty="0">
+                <a:latin typeface="Times New Roman" panose="02020603050405020304" pitchFamily="18" charset="0"/>
+                <a:cs typeface="Times New Roman" panose="02020603050405020304" pitchFamily="18" charset="0"/>
+              </a:rPr>
+              <a:t> &gt; $100.000.001 &amp; &lt; $250.000   </a:t>
+            </a:r>
+          </a:p>
+          <a:p>
+            <a:r>
+              <a:rPr lang="en-US" sz="924" dirty="0">
+                <a:latin typeface="Times New Roman" panose="02020603050405020304" pitchFamily="18" charset="0"/>
+                <a:cs typeface="Times New Roman" panose="02020603050405020304" pitchFamily="18" charset="0"/>
+              </a:rPr>
+              <a:t>Sal. </a:t>
+            </a:r>
+            <a:r>
+              <a:rPr lang="en-US" sz="924" dirty="0" err="1">
+                <a:latin typeface="Times New Roman" panose="02020603050405020304" pitchFamily="18" charset="0"/>
+                <a:cs typeface="Times New Roman" panose="02020603050405020304" pitchFamily="18" charset="0"/>
+              </a:rPr>
+              <a:t>percibido</a:t>
+            </a:r>
+            <a:r>
+              <a:rPr lang="en-US" sz="924" dirty="0">
+                <a:latin typeface="Times New Roman" panose="02020603050405020304" pitchFamily="18" charset="0"/>
+                <a:cs typeface="Times New Roman" panose="02020603050405020304" pitchFamily="18" charset="0"/>
+              </a:rPr>
+              <a:t> </a:t>
+            </a:r>
+            <a:r>
+              <a:rPr lang="en-US" sz="924" dirty="0" err="1">
+                <a:latin typeface="Times New Roman" panose="02020603050405020304" pitchFamily="18" charset="0"/>
+                <a:cs typeface="Times New Roman" panose="02020603050405020304" pitchFamily="18" charset="0"/>
+              </a:rPr>
+              <a:t>obrero</a:t>
+            </a:r>
+            <a:r>
+              <a:rPr lang="en-US" sz="924" dirty="0">
+                <a:latin typeface="Times New Roman" panose="02020603050405020304" pitchFamily="18" charset="0"/>
+                <a:cs typeface="Times New Roman" panose="02020603050405020304" pitchFamily="18" charset="0"/>
+              </a:rPr>
+              <a:t> &gt; $1.000.000 &amp; &lt; $40.000 </a:t>
+            </a:r>
+          </a:p>
+          <a:p>
+            <a:r>
+              <a:rPr lang="en-US" sz="924" dirty="0">
+                <a:latin typeface="Times New Roman" panose="02020603050405020304" pitchFamily="18" charset="0"/>
+                <a:cs typeface="Times New Roman" panose="02020603050405020304" pitchFamily="18" charset="0"/>
+              </a:rPr>
+              <a:t>Sal. </a:t>
+            </a:r>
+            <a:r>
+              <a:rPr lang="en-US" sz="924" dirty="0" err="1">
+                <a:latin typeface="Times New Roman" panose="02020603050405020304" pitchFamily="18" charset="0"/>
+                <a:cs typeface="Times New Roman" panose="02020603050405020304" pitchFamily="18" charset="0"/>
+              </a:rPr>
+              <a:t>recomendado</a:t>
+            </a:r>
+            <a:r>
+              <a:rPr lang="en-US" sz="924" dirty="0">
+                <a:latin typeface="Times New Roman" panose="02020603050405020304" pitchFamily="18" charset="0"/>
+                <a:cs typeface="Times New Roman" panose="02020603050405020304" pitchFamily="18" charset="0"/>
+              </a:rPr>
+              <a:t> </a:t>
+            </a:r>
+            <a:r>
+              <a:rPr lang="en-US" sz="924" dirty="0" err="1">
+                <a:latin typeface="Times New Roman" panose="02020603050405020304" pitchFamily="18" charset="0"/>
+                <a:cs typeface="Times New Roman" panose="02020603050405020304" pitchFamily="18" charset="0"/>
+              </a:rPr>
+              <a:t>gerente</a:t>
+            </a:r>
+            <a:r>
+              <a:rPr lang="en-US" sz="924" dirty="0">
+                <a:latin typeface="Times New Roman" panose="02020603050405020304" pitchFamily="18" charset="0"/>
+                <a:cs typeface="Times New Roman" panose="02020603050405020304" pitchFamily="18" charset="0"/>
+              </a:rPr>
+              <a:t> &gt;  $30.000.001 &amp; &lt; $100.000</a:t>
+            </a:r>
+          </a:p>
+          <a:p>
+            <a:r>
+              <a:rPr lang="en-US" sz="924" dirty="0">
+                <a:latin typeface="Times New Roman" panose="02020603050405020304" pitchFamily="18" charset="0"/>
+                <a:cs typeface="Times New Roman" panose="02020603050405020304" pitchFamily="18" charset="0"/>
+              </a:rPr>
+              <a:t>Sal. </a:t>
+            </a:r>
+            <a:r>
+              <a:rPr lang="en-US" sz="924" dirty="0" err="1">
+                <a:latin typeface="Times New Roman" panose="02020603050405020304" pitchFamily="18" charset="0"/>
+                <a:cs typeface="Times New Roman" panose="02020603050405020304" pitchFamily="18" charset="0"/>
+              </a:rPr>
+              <a:t>recomendado</a:t>
+            </a:r>
+            <a:r>
+              <a:rPr lang="en-US" sz="924" dirty="0">
+                <a:latin typeface="Times New Roman" panose="02020603050405020304" pitchFamily="18" charset="0"/>
+                <a:cs typeface="Times New Roman" panose="02020603050405020304" pitchFamily="18" charset="0"/>
+              </a:rPr>
+              <a:t> </a:t>
+            </a:r>
+            <a:r>
+              <a:rPr lang="en-US" sz="924" dirty="0" err="1">
+                <a:latin typeface="Times New Roman" panose="02020603050405020304" pitchFamily="18" charset="0"/>
+                <a:cs typeface="Times New Roman" panose="02020603050405020304" pitchFamily="18" charset="0"/>
+              </a:rPr>
+              <a:t>obrero</a:t>
+            </a:r>
+            <a:r>
+              <a:rPr lang="en-US" sz="924" dirty="0">
+                <a:latin typeface="Times New Roman" panose="02020603050405020304" pitchFamily="18" charset="0"/>
+                <a:cs typeface="Times New Roman" panose="02020603050405020304" pitchFamily="18" charset="0"/>
+              </a:rPr>
+              <a:t> &lt; $40.000 </a:t>
+            </a:r>
+          </a:p>
+        </p:txBody>
+      </p:sp>
+      <p:sp>
+        <p:nvSpPr>
+          <p:cNvPr id="34" name="CuadroTexto 33">
+            <a:extLst>
+              <a:ext uri="{FF2B5EF4-FFF2-40B4-BE49-F238E27FC236}">
+                <a16:creationId xmlns:a16="http://schemas.microsoft.com/office/drawing/2014/main" id="{EF1F8AD4-A85D-4F74-93FA-A9DC7BFCF59E}"/>
+              </a:ext>
+            </a:extLst>
+          </p:cNvPr>
+          <p:cNvSpPr txBox="1"/>
+          <p:nvPr/>
+        </p:nvSpPr>
+        <p:spPr>
+          <a:xfrm>
+            <a:off x="121736" y="4204690"/>
+            <a:ext cx="2564314" cy="1077218"/>
+          </a:xfrm>
+          <a:prstGeom prst="rect">
+            <a:avLst/>
+          </a:prstGeom>
+          <a:ln w="19050"/>
+        </p:spPr>
+        <p:style>
+          <a:lnRef idx="2">
+            <a:schemeClr val="dk1"/>
+          </a:lnRef>
+          <a:fillRef idx="1">
+            <a:schemeClr val="lt1"/>
+          </a:fillRef>
+          <a:effectRef idx="0">
+            <a:schemeClr val="dk1"/>
+          </a:effectRef>
+          <a:fontRef idx="minor">
+            <a:schemeClr val="dk1"/>
+          </a:fontRef>
+        </p:style>
+        <p:txBody>
+          <a:bodyPr wrap="square" rtlCol="0">
+            <a:spAutoFit/>
+          </a:bodyPr>
+          <a:lstStyle/>
+          <a:p>
+            <a:r>
+              <a:rPr lang="es-ES" sz="700" dirty="0">
+                <a:latin typeface="Times New Roman" panose="02020603050405020304" pitchFamily="18" charset="0"/>
+                <a:cs typeface="Times New Roman" panose="02020603050405020304" pitchFamily="18" charset="0"/>
+              </a:rPr>
+              <a:t>1) Logro de la muestra objetivo</a:t>
+            </a:r>
+          </a:p>
+          <a:p>
+            <a:r>
+              <a:rPr lang="es-ES" sz="700" dirty="0">
+                <a:latin typeface="Times New Roman" panose="02020603050405020304" pitchFamily="18" charset="0"/>
+                <a:cs typeface="Times New Roman" panose="02020603050405020304" pitchFamily="18" charset="0"/>
+              </a:rPr>
+              <a:t>2) Existencia de respuestas en todas las preguntas aplicadas</a:t>
+            </a:r>
+          </a:p>
+          <a:p>
+            <a:r>
+              <a:rPr lang="es-ES" sz="700" dirty="0">
+                <a:latin typeface="Times New Roman" panose="02020603050405020304" pitchFamily="18" charset="0"/>
+                <a:cs typeface="Times New Roman" panose="02020603050405020304" pitchFamily="18" charset="0"/>
+              </a:rPr>
+              <a:t>3) Edad de los encuestados (que sean de 18 años y más)</a:t>
+            </a:r>
+          </a:p>
+          <a:p>
+            <a:r>
+              <a:rPr lang="es-ES" sz="700" dirty="0">
+                <a:latin typeface="Times New Roman" panose="02020603050405020304" pitchFamily="18" charset="0"/>
+                <a:cs typeface="Times New Roman" panose="02020603050405020304" pitchFamily="18" charset="0"/>
+              </a:rPr>
+              <a:t>4) Valores que salgan del rango común de respuesta</a:t>
+            </a:r>
+          </a:p>
+          <a:p>
+            <a:r>
+              <a:rPr lang="es-ES" sz="700" dirty="0">
+                <a:latin typeface="Times New Roman" panose="02020603050405020304" pitchFamily="18" charset="0"/>
+                <a:cs typeface="Times New Roman" panose="02020603050405020304" pitchFamily="18" charset="0"/>
+              </a:rPr>
+              <a:t>5) Correcta aplicación de saltos y aleatorización en la encuesta</a:t>
+            </a:r>
+          </a:p>
+          <a:p>
+            <a:r>
+              <a:rPr lang="es-ES" sz="700" dirty="0">
+                <a:latin typeface="Times New Roman" panose="02020603050405020304" pitchFamily="18" charset="0"/>
+                <a:cs typeface="Times New Roman" panose="02020603050405020304" pitchFamily="18" charset="0"/>
+              </a:rPr>
+              <a:t>6) Correcta digitación de preguntas abiertas</a:t>
+            </a:r>
+          </a:p>
+          <a:p>
+            <a:endParaRPr lang="es-ES" sz="700" dirty="0">
+              <a:latin typeface="Times New Roman" panose="02020603050405020304" pitchFamily="18" charset="0"/>
+              <a:cs typeface="Times New Roman" panose="02020603050405020304" pitchFamily="18" charset="0"/>
+            </a:endParaRPr>
+          </a:p>
+          <a:p>
+            <a:r>
+              <a:rPr lang="es-CL" sz="800" dirty="0">
+                <a:latin typeface="Times New Roman" panose="02020603050405020304" pitchFamily="18" charset="0"/>
+                <a:cs typeface="Times New Roman" panose="02020603050405020304" pitchFamily="18" charset="0"/>
+              </a:rPr>
+              <a:t>Muestra (N=750)</a:t>
+            </a:r>
+          </a:p>
+          <a:p>
+            <a:endParaRPr lang="es-ES" sz="700" dirty="0">
+              <a:latin typeface="Times New Roman" panose="02020603050405020304" pitchFamily="18" charset="0"/>
+              <a:cs typeface="Times New Roman" panose="02020603050405020304" pitchFamily="18" charset="0"/>
+            </a:endParaRPr>
+          </a:p>
+        </p:txBody>
+      </p:sp>
+    </p:spTree>
+    <p:extLst>
+      <p:ext uri="{BB962C8B-B14F-4D97-AF65-F5344CB8AC3E}">
+        <p14:creationId xmlns:p14="http://schemas.microsoft.com/office/powerpoint/2010/main" val="2189041132"/>
+      </p:ext>
+    </p:extLst>
+  </p:cSld>
+  <p:clrMapOvr>
+    <a:masterClrMapping/>
+  </p:clrMapOvr>
+</p:sld>
+</file>
+
 <file path=ppt/theme/theme1.xml><?xml version="1.0" encoding="utf-8"?>
 <a:theme xmlns:a="http://schemas.openxmlformats.org/drawingml/2006/main" name="Tema de Office">
   <a:themeElements>
